--- a/pptx/fig6.pptx
+++ b/pptx/fig6.pptx
@@ -238,7 +238,7 @@
           <a:p>
             <a:fld id="{F6615B80-5415-4133-A419-A9B90BC88B3D}" type="datetimeFigureOut">
               <a:rPr lang="zh-CN" altLang="en-US" smtClean="0"/>
-              <a:t>2015/4/28</a:t>
+              <a:t>15/5/10</a:t>
             </a:fld>
             <a:endParaRPr lang="zh-CN" altLang="en-US"/>
           </a:p>
@@ -408,7 +408,7 @@
           <a:p>
             <a:fld id="{F6615B80-5415-4133-A419-A9B90BC88B3D}" type="datetimeFigureOut">
               <a:rPr lang="zh-CN" altLang="en-US" smtClean="0"/>
-              <a:t>2015/4/28</a:t>
+              <a:t>15/5/10</a:t>
             </a:fld>
             <a:endParaRPr lang="zh-CN" altLang="en-US"/>
           </a:p>
@@ -588,7 +588,7 @@
           <a:p>
             <a:fld id="{F6615B80-5415-4133-A419-A9B90BC88B3D}" type="datetimeFigureOut">
               <a:rPr lang="zh-CN" altLang="en-US" smtClean="0"/>
-              <a:t>2015/4/28</a:t>
+              <a:t>15/5/10</a:t>
             </a:fld>
             <a:endParaRPr lang="zh-CN" altLang="en-US"/>
           </a:p>
@@ -758,7 +758,7 @@
           <a:p>
             <a:fld id="{F6615B80-5415-4133-A419-A9B90BC88B3D}" type="datetimeFigureOut">
               <a:rPr lang="zh-CN" altLang="en-US" smtClean="0"/>
-              <a:t>2015/4/28</a:t>
+              <a:t>15/5/10</a:t>
             </a:fld>
             <a:endParaRPr lang="zh-CN" altLang="en-US"/>
           </a:p>
@@ -1004,7 +1004,7 @@
           <a:p>
             <a:fld id="{F6615B80-5415-4133-A419-A9B90BC88B3D}" type="datetimeFigureOut">
               <a:rPr lang="zh-CN" altLang="en-US" smtClean="0"/>
-              <a:t>2015/4/28</a:t>
+              <a:t>15/5/10</a:t>
             </a:fld>
             <a:endParaRPr lang="zh-CN" altLang="en-US"/>
           </a:p>
@@ -1236,7 +1236,7 @@
           <a:p>
             <a:fld id="{F6615B80-5415-4133-A419-A9B90BC88B3D}" type="datetimeFigureOut">
               <a:rPr lang="zh-CN" altLang="en-US" smtClean="0"/>
-              <a:t>2015/4/28</a:t>
+              <a:t>15/5/10</a:t>
             </a:fld>
             <a:endParaRPr lang="zh-CN" altLang="en-US"/>
           </a:p>
@@ -1603,7 +1603,7 @@
           <a:p>
             <a:fld id="{F6615B80-5415-4133-A419-A9B90BC88B3D}" type="datetimeFigureOut">
               <a:rPr lang="zh-CN" altLang="en-US" smtClean="0"/>
-              <a:t>2015/4/28</a:t>
+              <a:t>15/5/10</a:t>
             </a:fld>
             <a:endParaRPr lang="zh-CN" altLang="en-US"/>
           </a:p>
@@ -1721,7 +1721,7 @@
           <a:p>
             <a:fld id="{F6615B80-5415-4133-A419-A9B90BC88B3D}" type="datetimeFigureOut">
               <a:rPr lang="zh-CN" altLang="en-US" smtClean="0"/>
-              <a:t>2015/4/28</a:t>
+              <a:t>15/5/10</a:t>
             </a:fld>
             <a:endParaRPr lang="zh-CN" altLang="en-US"/>
           </a:p>
@@ -1816,7 +1816,7 @@
           <a:p>
             <a:fld id="{F6615B80-5415-4133-A419-A9B90BC88B3D}" type="datetimeFigureOut">
               <a:rPr lang="zh-CN" altLang="en-US" smtClean="0"/>
-              <a:t>2015/4/28</a:t>
+              <a:t>15/5/10</a:t>
             </a:fld>
             <a:endParaRPr lang="zh-CN" altLang="en-US"/>
           </a:p>
@@ -2093,7 +2093,7 @@
           <a:p>
             <a:fld id="{F6615B80-5415-4133-A419-A9B90BC88B3D}" type="datetimeFigureOut">
               <a:rPr lang="zh-CN" altLang="en-US" smtClean="0"/>
-              <a:t>2015/4/28</a:t>
+              <a:t>15/5/10</a:t>
             </a:fld>
             <a:endParaRPr lang="zh-CN" altLang="en-US"/>
           </a:p>
@@ -2350,7 +2350,7 @@
           <a:p>
             <a:fld id="{F6615B80-5415-4133-A419-A9B90BC88B3D}" type="datetimeFigureOut">
               <a:rPr lang="zh-CN" altLang="en-US" smtClean="0"/>
-              <a:t>2015/4/28</a:t>
+              <a:t>15/5/10</a:t>
             </a:fld>
             <a:endParaRPr lang="zh-CN" altLang="en-US"/>
           </a:p>
@@ -2563,7 +2563,7 @@
           <a:p>
             <a:fld id="{F6615B80-5415-4133-A419-A9B90BC88B3D}" type="datetimeFigureOut">
               <a:rPr lang="zh-CN" altLang="en-US" smtClean="0"/>
-              <a:t>2015/4/28</a:t>
+              <a:t>15/5/10</a:t>
             </a:fld>
             <a:endParaRPr lang="zh-CN" altLang="en-US"/>
           </a:p>
@@ -2976,7 +2976,7 @@
         </p:nvSpPr>
         <p:spPr>
           <a:xfrm>
-            <a:off x="20673" y="30635"/>
+            <a:off x="20673" y="21110"/>
             <a:ext cx="984772" cy="984771"/>
           </a:xfrm>
           <a:prstGeom prst="rect">
@@ -3018,7 +3018,7 @@
           <a:lstStyle/>
           <a:p>
             <a:pPr algn="ctr"/>
-            <a:endParaRPr lang="zh-CN" altLang="en-US" sz="100"/>
+            <a:endParaRPr lang="zh-CN" altLang="en-US" sz="400"/>
           </a:p>
         </p:txBody>
       </p:sp>
@@ -3030,7 +3030,7 @@
         </p:nvSpPr>
         <p:spPr>
           <a:xfrm>
-            <a:off x="1305680" y="30635"/>
+            <a:off x="1305680" y="21110"/>
             <a:ext cx="984772" cy="984771"/>
           </a:xfrm>
           <a:prstGeom prst="rect">
@@ -3072,7 +3072,7 @@
           <a:lstStyle/>
           <a:p>
             <a:pPr algn="ctr"/>
-            <a:endParaRPr lang="zh-CN" altLang="en-US" sz="100"/>
+            <a:endParaRPr lang="zh-CN" altLang="en-US" sz="400"/>
           </a:p>
         </p:txBody>
       </p:sp>
@@ -3084,7 +3084,7 @@
         </p:nvSpPr>
         <p:spPr>
           <a:xfrm>
-            <a:off x="2590686" y="30635"/>
+            <a:off x="2590686" y="21110"/>
             <a:ext cx="984772" cy="984771"/>
           </a:xfrm>
           <a:prstGeom prst="rect">
@@ -3220,7 +3220,7 @@
           </a:lstStyle>
           <a:p>
             <a:pPr algn="ctr"/>
-            <a:endParaRPr lang="zh-CN" altLang="en-US" sz="312"/>
+            <a:endParaRPr lang="zh-CN" altLang="en-US" sz="600"/>
           </a:p>
         </p:txBody>
       </p:sp>
@@ -3232,7 +3232,7 @@
         </p:nvSpPr>
         <p:spPr>
           <a:xfrm>
-            <a:off x="1035468" y="438955"/>
+            <a:off x="1035468" y="429430"/>
             <a:ext cx="240188" cy="168132"/>
           </a:xfrm>
           <a:prstGeom prst="rightArrow">
@@ -3274,7 +3274,7 @@
           <a:lstStyle/>
           <a:p>
             <a:pPr algn="ctr"/>
-            <a:endParaRPr lang="zh-CN" altLang="en-US" sz="100"/>
+            <a:endParaRPr lang="zh-CN" altLang="en-US" sz="400"/>
           </a:p>
         </p:txBody>
       </p:sp>
@@ -3286,7 +3286,7 @@
         </p:nvSpPr>
         <p:spPr>
           <a:xfrm>
-            <a:off x="2320475" y="438955"/>
+            <a:off x="2320475" y="429430"/>
             <a:ext cx="240188" cy="168132"/>
           </a:xfrm>
           <a:prstGeom prst="rightArrow">
@@ -3328,7 +3328,7 @@
           <a:lstStyle/>
           <a:p>
             <a:pPr algn="ctr"/>
-            <a:endParaRPr lang="zh-CN" altLang="en-US" sz="100"/>
+            <a:endParaRPr lang="zh-CN" altLang="en-US" sz="400"/>
           </a:p>
         </p:txBody>
       </p:sp>
@@ -3340,7 +3340,7 @@
         </p:nvSpPr>
         <p:spPr>
           <a:xfrm>
-            <a:off x="268867" y="270823"/>
+            <a:off x="268867" y="261298"/>
             <a:ext cx="480376" cy="460360"/>
           </a:xfrm>
           <a:custGeom>
@@ -3420,7 +3420,7 @@
           <a:lstStyle/>
           <a:p>
             <a:pPr algn="ctr"/>
-            <a:endParaRPr lang="zh-CN" altLang="en-US" sz="100"/>
+            <a:endParaRPr lang="zh-CN" altLang="en-US" sz="400"/>
           </a:p>
         </p:txBody>
       </p:sp>
@@ -3432,7 +3432,7 @@
         </p:nvSpPr>
         <p:spPr>
           <a:xfrm rot="5400000">
-            <a:off x="1449793" y="222785"/>
+            <a:off x="1449793" y="213260"/>
             <a:ext cx="696545" cy="600470"/>
           </a:xfrm>
           <a:prstGeom prst="hexagon">
@@ -3474,7 +3474,7 @@
           <a:lstStyle/>
           <a:p>
             <a:pPr algn="ctr"/>
-            <a:endParaRPr lang="zh-CN" altLang="en-US" sz="100"/>
+            <a:endParaRPr lang="zh-CN" altLang="en-US" sz="400"/>
           </a:p>
         </p:txBody>
       </p:sp>
@@ -3486,7 +3486,7 @@
         </p:nvCxnSpPr>
         <p:spPr>
           <a:xfrm>
-            <a:off x="1634437" y="342880"/>
+            <a:off x="1634437" y="333355"/>
             <a:ext cx="327256" cy="360282"/>
           </a:xfrm>
           <a:prstGeom prst="line">
@@ -3524,7 +3524,7 @@
         </p:nvCxnSpPr>
         <p:spPr>
           <a:xfrm>
-            <a:off x="2919444" y="320862"/>
+            <a:off x="2919444" y="311337"/>
             <a:ext cx="327256" cy="360282"/>
           </a:xfrm>
           <a:prstGeom prst="line">
@@ -3562,8 +3562,8 @@
         </p:nvSpPr>
         <p:spPr>
           <a:xfrm>
-            <a:off x="2944252" y="987395"/>
-            <a:ext cx="303288" cy="230832"/>
+            <a:off x="2922027" y="946120"/>
+            <a:ext cx="343063" cy="276999"/>
           </a:xfrm>
           <a:prstGeom prst="rect">
             <a:avLst/>
@@ -3577,10 +3577,10 @@
           <a:lstStyle/>
           <a:p>
             <a:r>
-              <a:rPr lang="en-US" altLang="zh-CN" sz="900" dirty="0"/>
+              <a:rPr lang="en-US" altLang="zh-CN" sz="1200" dirty="0"/>
               <a:t>(c)</a:t>
             </a:r>
-            <a:endParaRPr lang="zh-CN" altLang="en-US" sz="900" dirty="0"/>
+            <a:endParaRPr lang="zh-CN" altLang="en-US" sz="1200" dirty="0"/>
           </a:p>
         </p:txBody>
       </p:sp>
@@ -3592,8 +3592,8 @@
         </p:nvSpPr>
         <p:spPr>
           <a:xfrm>
-            <a:off x="1646421" y="987395"/>
-            <a:ext cx="316112" cy="230832"/>
+            <a:off x="1624196" y="946120"/>
+            <a:ext cx="358842" cy="276999"/>
           </a:xfrm>
           <a:prstGeom prst="rect">
             <a:avLst/>
@@ -3607,10 +3607,10 @@
           <a:lstStyle/>
           <a:p>
             <a:r>
-              <a:rPr lang="en-US" altLang="zh-CN" sz="900" dirty="0" smtClean="0"/>
+              <a:rPr lang="en-US" altLang="zh-CN" sz="1200" dirty="0" smtClean="0"/>
               <a:t>(b)</a:t>
             </a:r>
-            <a:endParaRPr lang="zh-CN" altLang="en-US" sz="900" dirty="0"/>
+            <a:endParaRPr lang="zh-CN" altLang="en-US" sz="1200" dirty="0"/>
           </a:p>
         </p:txBody>
       </p:sp>
@@ -3622,8 +3622,8 @@
         </p:nvSpPr>
         <p:spPr>
           <a:xfrm>
-            <a:off x="357411" y="987395"/>
-            <a:ext cx="309700" cy="230832"/>
+            <a:off x="335186" y="946120"/>
+            <a:ext cx="351704" cy="276999"/>
           </a:xfrm>
           <a:prstGeom prst="rect">
             <a:avLst/>
@@ -3637,10 +3637,10 @@
           <a:lstStyle/>
           <a:p>
             <a:r>
-              <a:rPr lang="en-US" altLang="zh-CN" sz="900" dirty="0" smtClean="0"/>
+              <a:rPr lang="en-US" altLang="zh-CN" sz="1200" dirty="0" smtClean="0"/>
               <a:t>(a)</a:t>
             </a:r>
-            <a:endParaRPr lang="zh-CN" altLang="en-US" sz="900" dirty="0"/>
+            <a:endParaRPr lang="zh-CN" altLang="en-US" sz="1200" dirty="0"/>
           </a:p>
         </p:txBody>
       </p:sp>
@@ -3700,7 +3700,7 @@
     </a:clrScheme>
     <a:fontScheme name="Office 主题">
       <a:majorFont>
-        <a:latin typeface="Calibri Light" panose="020F0302020204030204"/>
+        <a:latin typeface="Calibri Light"/>
         <a:ea typeface=""/>
         <a:cs typeface=""/>
         <a:font script="Jpan" typeface="ＭＳ Ｐゴシック"/>
@@ -3735,7 +3735,7 @@
         <a:font script="Geor" typeface="Sylfaen"/>
       </a:majorFont>
       <a:minorFont>
-        <a:latin typeface="Calibri" panose="020F0502020204030204"/>
+        <a:latin typeface="Calibri"/>
         <a:ea typeface=""/>
         <a:cs typeface=""/>
         <a:font script="Jpan" typeface="ＭＳ Ｐゴシック"/>
@@ -3912,7 +3912,7 @@
   <a:extraClrSchemeLst/>
   <a:extLst>
     <a:ext uri="{05A4C25C-085E-4340-85A3-A5531E510DB2}">
-      <thm15:themeFamily xmlns:thm15="http://schemas.microsoft.com/office/thememl/2012/main" name="Office Theme" id="{62F939B6-93AF-4DB8-9C6B-D6C7DFDC589F}" vid="{4A3C46E8-61CC-4603-A589-7422A47A8E4A}"/>
+      <thm15:themeFamily xmlns:thm15="http://schemas.microsoft.com/office/thememl/2012/main" xmlns="" name="Office Theme" id="{62F939B6-93AF-4DB8-9C6B-D6C7DFDC589F}" vid="{4A3C46E8-61CC-4603-A589-7422A47A8E4A}"/>
     </a:ext>
   </a:extLst>
 </a:theme>
